--- a/Lesson08/Python-L1-08.pptx
+++ b/Lesson08/Python-L1-08.pptx
@@ -119,6 +119,7 @@
 <file path=ppt/revisionInfo.xml><?xml version="1.0" encoding="utf-8"?>
 <p1510:revInfo xmlns:a="http://schemas.openxmlformats.org/drawingml/2006/main" xmlns:r="http://schemas.openxmlformats.org/officeDocument/2006/relationships" xmlns:p1510="http://schemas.microsoft.com/office/powerpoint/2015/10/main">
   <p1510:revLst>
+    <p1510:client id="{41E5CCA3-E4B3-4EC2-9F40-9D1D5A08FC67}" v="1" dt="2025-07-08T20:53:05.003"/>
     <p1510:client id="{E3983966-8EEA-43C3-B436-89FB8F4377B7}" v="84" dt="2025-07-08T16:03:25.410"/>
   </p1510:revLst>
 </p1510:revInfo>
